--- a/Presentation1.pptx
+++ b/Presentation1.pptx
@@ -13,6 +13,7 @@
     <p:sldId id="261" r:id="rId7"/>
     <p:sldId id="262" r:id="rId8"/>
     <p:sldId id="263" r:id="rId9"/>
+    <p:sldId id="264" r:id="rId10"/>
   </p:sldIdLst>
   <p:sldSz cx="12192000" cy="6858000"/>
   <p:notesSz cx="6858000" cy="9144000"/>
@@ -111,6 +112,11 @@
       </a:defRPr>
     </a:lvl9pPr>
   </p:defaultTextStyle>
+  <p:extLst>
+    <p:ext uri="{EFAFB233-063F-42B5-8137-9DF3F51BA10A}">
+      <p15:sldGuideLst xmlns:p15="http://schemas.microsoft.com/office/powerpoint/2012/main"/>
+    </p:ext>
+  </p:extLst>
 </p:presentation>
 </file>
 
@@ -261,7 +267,7 @@
           <a:p>
             <a:fld id="{04DD2273-85A1-DF4B-803E-2C47104E157B}" type="datetimeFigureOut">
               <a:rPr lang="en-US" smtClean="0"/>
-              <a:t>3/12/18</a:t>
+              <a:t>3/13/18</a:t>
             </a:fld>
             <a:endParaRPr lang="en-US"/>
           </a:p>
@@ -459,7 +465,7 @@
           <a:p>
             <a:fld id="{04DD2273-85A1-DF4B-803E-2C47104E157B}" type="datetimeFigureOut">
               <a:rPr lang="en-US" smtClean="0"/>
-              <a:t>3/12/18</a:t>
+              <a:t>3/13/18</a:t>
             </a:fld>
             <a:endParaRPr lang="en-US"/>
           </a:p>
@@ -667,7 +673,7 @@
           <a:p>
             <a:fld id="{04DD2273-85A1-DF4B-803E-2C47104E157B}" type="datetimeFigureOut">
               <a:rPr lang="en-US" smtClean="0"/>
-              <a:t>3/12/18</a:t>
+              <a:t>3/13/18</a:t>
             </a:fld>
             <a:endParaRPr lang="en-US"/>
           </a:p>
@@ -865,7 +871,7 @@
           <a:p>
             <a:fld id="{04DD2273-85A1-DF4B-803E-2C47104E157B}" type="datetimeFigureOut">
               <a:rPr lang="en-US" smtClean="0"/>
-              <a:t>3/12/18</a:t>
+              <a:t>3/13/18</a:t>
             </a:fld>
             <a:endParaRPr lang="en-US"/>
           </a:p>
@@ -1140,7 +1146,7 @@
           <a:p>
             <a:fld id="{04DD2273-85A1-DF4B-803E-2C47104E157B}" type="datetimeFigureOut">
               <a:rPr lang="en-US" smtClean="0"/>
-              <a:t>3/12/18</a:t>
+              <a:t>3/13/18</a:t>
             </a:fld>
             <a:endParaRPr lang="en-US"/>
           </a:p>
@@ -1405,7 +1411,7 @@
           <a:p>
             <a:fld id="{04DD2273-85A1-DF4B-803E-2C47104E157B}" type="datetimeFigureOut">
               <a:rPr lang="en-US" smtClean="0"/>
-              <a:t>3/12/18</a:t>
+              <a:t>3/13/18</a:t>
             </a:fld>
             <a:endParaRPr lang="en-US"/>
           </a:p>
@@ -1817,7 +1823,7 @@
           <a:p>
             <a:fld id="{04DD2273-85A1-DF4B-803E-2C47104E157B}" type="datetimeFigureOut">
               <a:rPr lang="en-US" smtClean="0"/>
-              <a:t>3/12/18</a:t>
+              <a:t>3/13/18</a:t>
             </a:fld>
             <a:endParaRPr lang="en-US"/>
           </a:p>
@@ -1958,7 +1964,7 @@
           <a:p>
             <a:fld id="{04DD2273-85A1-DF4B-803E-2C47104E157B}" type="datetimeFigureOut">
               <a:rPr lang="en-US" smtClean="0"/>
-              <a:t>3/12/18</a:t>
+              <a:t>3/13/18</a:t>
             </a:fld>
             <a:endParaRPr lang="en-US"/>
           </a:p>
@@ -2071,7 +2077,7 @@
           <a:p>
             <a:fld id="{04DD2273-85A1-DF4B-803E-2C47104E157B}" type="datetimeFigureOut">
               <a:rPr lang="en-US" smtClean="0"/>
-              <a:t>3/12/18</a:t>
+              <a:t>3/13/18</a:t>
             </a:fld>
             <a:endParaRPr lang="en-US"/>
           </a:p>
@@ -2382,7 +2388,7 @@
           <a:p>
             <a:fld id="{04DD2273-85A1-DF4B-803E-2C47104E157B}" type="datetimeFigureOut">
               <a:rPr lang="en-US" smtClean="0"/>
-              <a:t>3/12/18</a:t>
+              <a:t>3/13/18</a:t>
             </a:fld>
             <a:endParaRPr lang="en-US"/>
           </a:p>
@@ -2670,7 +2676,7 @@
           <a:p>
             <a:fld id="{04DD2273-85A1-DF4B-803E-2C47104E157B}" type="datetimeFigureOut">
               <a:rPr lang="en-US" smtClean="0"/>
-              <a:t>3/12/18</a:t>
+              <a:t>3/13/18</a:t>
             </a:fld>
             <a:endParaRPr lang="en-US"/>
           </a:p>
@@ -2911,7 +2917,7 @@
           <a:p>
             <a:fld id="{04DD2273-85A1-DF4B-803E-2C47104E157B}" type="datetimeFigureOut">
               <a:rPr lang="en-US" smtClean="0"/>
-              <a:t>3/12/18</a:t>
+              <a:t>3/13/18</a:t>
             </a:fld>
             <a:endParaRPr lang="en-US"/>
           </a:p>
@@ -4377,13 +4383,8 @@
           <a:p>
             <a:r>
               <a:rPr lang="en-US" dirty="0"/>
-              <a:t>Average Number of Active Suppliers </a:t>
-            </a:r>
-            <a:r>
-              <a:rPr lang="en-US"/>
-              <a:t>- inelastic</a:t>
-            </a:r>
-            <a:endParaRPr lang="en-US" dirty="0"/>
+              <a:t>Average Number of Active Suppliers - inelastic</a:t>
+            </a:r>
           </a:p>
         </p:txBody>
       </p:sp>
@@ -4453,6 +4454,132 @@
             <a:r>
               <a:rPr lang="en-US" dirty="0"/>
               <a:t>Decentralized</a:t>
+            </a:r>
+          </a:p>
+        </p:txBody>
+      </p:sp>
+      <p:pic>
+        <p:nvPicPr>
+          <p:cNvPr id="3" name="Picture 2">
+            <a:extLst>
+              <a:ext uri="{FF2B5EF4-FFF2-40B4-BE49-F238E27FC236}">
+                <a16:creationId xmlns:a16="http://schemas.microsoft.com/office/drawing/2014/main" id="{3744C5DD-11C9-C244-9AE2-ADB770FD3110}"/>
+              </a:ext>
+            </a:extLst>
+          </p:cNvPr>
+          <p:cNvPicPr>
+            <a:picLocks noChangeAspect="1"/>
+          </p:cNvPicPr>
+          <p:nvPr/>
+        </p:nvPicPr>
+        <p:blipFill>
+          <a:blip r:embed="rId2"/>
+          <a:stretch>
+            <a:fillRect/>
+          </a:stretch>
+        </p:blipFill>
+        <p:spPr>
+          <a:xfrm>
+            <a:off x="0" y="0"/>
+            <a:ext cx="12192000" cy="6858000"/>
+          </a:xfrm>
+          <a:prstGeom prst="rect">
+            <a:avLst/>
+          </a:prstGeom>
+        </p:spPr>
+      </p:pic>
+      <p:pic>
+        <p:nvPicPr>
+          <p:cNvPr id="6" name="Picture 5">
+            <a:extLst>
+              <a:ext uri="{FF2B5EF4-FFF2-40B4-BE49-F238E27FC236}">
+                <a16:creationId xmlns:a16="http://schemas.microsoft.com/office/drawing/2014/main" id="{82C7F4A0-75C6-9843-9977-AFC7ACBA8D9C}"/>
+              </a:ext>
+            </a:extLst>
+          </p:cNvPr>
+          <p:cNvPicPr>
+            <a:picLocks noChangeAspect="1"/>
+          </p:cNvPicPr>
+          <p:nvPr/>
+        </p:nvPicPr>
+        <p:blipFill>
+          <a:blip r:embed="rId3"/>
+          <a:stretch>
+            <a:fillRect/>
+          </a:stretch>
+        </p:blipFill>
+        <p:spPr>
+          <a:xfrm>
+            <a:off x="1040801" y="1369922"/>
+            <a:ext cx="5854700" cy="4394200"/>
+          </a:xfrm>
+          <a:prstGeom prst="rect">
+            <a:avLst/>
+          </a:prstGeom>
+        </p:spPr>
+      </p:pic>
+      <p:pic>
+        <p:nvPicPr>
+          <p:cNvPr id="11" name="Picture 10">
+            <a:extLst>
+              <a:ext uri="{FF2B5EF4-FFF2-40B4-BE49-F238E27FC236}">
+                <a16:creationId xmlns:a16="http://schemas.microsoft.com/office/drawing/2014/main" id="{43A9A708-0B21-414D-94E4-F5C2D9A1F8F7}"/>
+              </a:ext>
+            </a:extLst>
+          </p:cNvPr>
+          <p:cNvPicPr>
+            <a:picLocks noChangeAspect="1"/>
+          </p:cNvPicPr>
+          <p:nvPr/>
+        </p:nvPicPr>
+        <p:blipFill>
+          <a:blip r:embed="rId4"/>
+          <a:stretch>
+            <a:fillRect/>
+          </a:stretch>
+        </p:blipFill>
+        <p:spPr>
+          <a:xfrm>
+            <a:off x="6503239" y="1369922"/>
+            <a:ext cx="5854700" cy="4394200"/>
+          </a:xfrm>
+          <a:prstGeom prst="rect">
+            <a:avLst/>
+          </a:prstGeom>
+        </p:spPr>
+      </p:pic>
+      <p:sp>
+        <p:nvSpPr>
+          <p:cNvPr id="12" name="TextBox 11">
+            <a:extLst>
+              <a:ext uri="{FF2B5EF4-FFF2-40B4-BE49-F238E27FC236}">
+                <a16:creationId xmlns:a16="http://schemas.microsoft.com/office/drawing/2014/main" id="{89CF8F24-DDB2-F240-A7AE-3E4E21CB4E25}"/>
+              </a:ext>
+            </a:extLst>
+          </p:cNvPr>
+          <p:cNvSpPr txBox="1"/>
+          <p:nvPr/>
+        </p:nvSpPr>
+        <p:spPr>
+          <a:xfrm>
+            <a:off x="4560318" y="6133454"/>
+            <a:ext cx="4054415" cy="646331"/>
+          </a:xfrm>
+          <a:prstGeom prst="rect">
+            <a:avLst/>
+          </a:prstGeom>
+          <a:noFill/>
+        </p:spPr>
+        <p:txBody>
+          <a:bodyPr wrap="square" rtlCol="0">
+            <a:spAutoFit/>
+          </a:bodyPr>
+          <a:lstStyle/>
+          <a:p>
+            <a:pPr algn="ctr"/>
+            <a:r>
+              <a:rPr lang="en-US" dirty="0"/>
+              <a:t>Curves are equal, except for the point at 5 in the decentralized case</a:t>
             </a:r>
           </a:p>
         </p:txBody>
@@ -4510,8 +4637,13 @@
           <a:p>
             <a:r>
               <a:rPr lang="en-US" dirty="0"/>
-              <a:t>Average Demand - elastic</a:t>
-            </a:r>
+              <a:t>Average Number of Active Suppliers </a:t>
+            </a:r>
+            <a:r>
+              <a:rPr lang="en-US"/>
+              <a:t>- elastic</a:t>
+            </a:r>
+            <a:endParaRPr lang="en-US" dirty="0"/>
           </a:p>
         </p:txBody>
       </p:sp>
@@ -4587,10 +4719,10 @@
       </p:sp>
       <p:pic>
         <p:nvPicPr>
-          <p:cNvPr id="5" name="Picture 4">
-            <a:extLst>
-              <a:ext uri="{FF2B5EF4-FFF2-40B4-BE49-F238E27FC236}">
-                <a16:creationId xmlns:a16="http://schemas.microsoft.com/office/drawing/2014/main" id="{AC4973EB-4BC2-5C4D-9B2D-4678629464B5}"/>
+          <p:cNvPr id="4" name="Picture 3">
+            <a:extLst>
+              <a:ext uri="{FF2B5EF4-FFF2-40B4-BE49-F238E27FC236}">
+                <a16:creationId xmlns:a16="http://schemas.microsoft.com/office/drawing/2014/main" id="{397BCA85-16F7-ED4B-B2C9-32959EB78D27}"/>
               </a:ext>
             </a:extLst>
           </p:cNvPr>
@@ -4601,6 +4733,36 @@
         </p:nvPicPr>
         <p:blipFill>
           <a:blip r:embed="rId2"/>
+          <a:stretch>
+            <a:fillRect/>
+          </a:stretch>
+        </p:blipFill>
+        <p:spPr>
+          <a:xfrm>
+            <a:off x="1040801" y="1369922"/>
+            <a:ext cx="5854700" cy="4394200"/>
+          </a:xfrm>
+          <a:prstGeom prst="rect">
+            <a:avLst/>
+          </a:prstGeom>
+        </p:spPr>
+      </p:pic>
+      <p:pic>
+        <p:nvPicPr>
+          <p:cNvPr id="6" name="Picture 5">
+            <a:extLst>
+              <a:ext uri="{FF2B5EF4-FFF2-40B4-BE49-F238E27FC236}">
+                <a16:creationId xmlns:a16="http://schemas.microsoft.com/office/drawing/2014/main" id="{27B91DCE-032A-E14F-9795-6EB52BD89E96}"/>
+              </a:ext>
+            </a:extLst>
+          </p:cNvPr>
+          <p:cNvPicPr>
+            <a:picLocks noChangeAspect="1"/>
+          </p:cNvPicPr>
+          <p:nvPr/>
+        </p:nvPicPr>
+        <p:blipFill>
+          <a:blip r:embed="rId3"/>
           <a:stretch>
             <a:fillRect/>
           </a:stretch>
@@ -4615,40 +4777,229 @@
           </a:prstGeom>
         </p:spPr>
       </p:pic>
-      <p:pic>
-        <p:nvPicPr>
-          <p:cNvPr id="7" name="Picture 6">
-            <a:extLst>
-              <a:ext uri="{FF2B5EF4-FFF2-40B4-BE49-F238E27FC236}">
-                <a16:creationId xmlns:a16="http://schemas.microsoft.com/office/drawing/2014/main" id="{833C0538-D396-E645-85CA-E5FF485B3194}"/>
-              </a:ext>
-            </a:extLst>
-          </p:cNvPr>
-          <p:cNvPicPr>
-            <a:picLocks noChangeAspect="1"/>
-          </p:cNvPicPr>
-          <p:nvPr/>
-        </p:nvPicPr>
-        <p:blipFill>
-          <a:blip r:embed="rId3"/>
-          <a:stretch>
-            <a:fillRect/>
-          </a:stretch>
-        </p:blipFill>
-        <p:spPr>
-          <a:xfrm>
-            <a:off x="1040801" y="1369922"/>
-            <a:ext cx="5854700" cy="4394200"/>
-          </a:xfrm>
-          <a:prstGeom prst="rect">
-            <a:avLst/>
-          </a:prstGeom>
-        </p:spPr>
-      </p:pic>
     </p:spTree>
     <p:extLst>
       <p:ext uri="{BB962C8B-B14F-4D97-AF65-F5344CB8AC3E}">
-        <p14:creationId xmlns:p14="http://schemas.microsoft.com/office/powerpoint/2010/main" val="3542005293"/>
+        <p14:creationId xmlns:p14="http://schemas.microsoft.com/office/powerpoint/2010/main" val="3664768720"/>
+      </p:ext>
+    </p:extLst>
+  </p:cSld>
+  <p:clrMapOvr>
+    <a:masterClrMapping/>
+  </p:clrMapOvr>
+</p:sld>
+</file>
+
+<file path=ppt/slides/slide9.xml><?xml version="1.0" encoding="utf-8"?>
+<p:sld xmlns:a="http://schemas.openxmlformats.org/drawingml/2006/main" xmlns:r="http://schemas.openxmlformats.org/officeDocument/2006/relationships" xmlns:p="http://schemas.openxmlformats.org/presentationml/2006/main">
+  <p:cSld>
+    <p:spTree>
+      <p:nvGrpSpPr>
+        <p:cNvPr id="1" name=""/>
+        <p:cNvGrpSpPr/>
+        <p:nvPr/>
+      </p:nvGrpSpPr>
+      <p:grpSpPr>
+        <a:xfrm>
+          <a:off x="0" y="0"/>
+          <a:ext cx="0" cy="0"/>
+          <a:chOff x="0" y="0"/>
+          <a:chExt cx="0" cy="0"/>
+        </a:xfrm>
+      </p:grpSpPr>
+      <p:sp>
+        <p:nvSpPr>
+          <p:cNvPr id="2" name="Title 1">
+            <a:extLst>
+              <a:ext uri="{FF2B5EF4-FFF2-40B4-BE49-F238E27FC236}">
+                <a16:creationId xmlns:a16="http://schemas.microsoft.com/office/drawing/2014/main" id="{515BC151-62F8-0E4B-89E3-10CFB09282A5}"/>
+              </a:ext>
+            </a:extLst>
+          </p:cNvPr>
+          <p:cNvSpPr>
+            <a:spLocks noGrp="1"/>
+          </p:cNvSpPr>
+          <p:nvPr>
+            <p:ph type="title"/>
+          </p:nvPr>
+        </p:nvSpPr>
+        <p:spPr/>
+        <p:txBody>
+          <a:bodyPr/>
+          <a:lstStyle/>
+          <a:p>
+            <a:endParaRPr lang="en-US"/>
+          </a:p>
+        </p:txBody>
+      </p:sp>
+      <p:sp>
+        <p:nvSpPr>
+          <p:cNvPr id="3" name="Content Placeholder 2">
+            <a:extLst>
+              <a:ext uri="{FF2B5EF4-FFF2-40B4-BE49-F238E27FC236}">
+                <a16:creationId xmlns:a16="http://schemas.microsoft.com/office/drawing/2014/main" id="{3F7551C8-3A5F-E24A-A4F7-56D5FDFC28E4}"/>
+              </a:ext>
+            </a:extLst>
+          </p:cNvPr>
+          <p:cNvSpPr>
+            <a:spLocks noGrp="1"/>
+          </p:cNvSpPr>
+          <p:nvPr>
+            <p:ph idx="1"/>
+          </p:nvPr>
+        </p:nvSpPr>
+        <p:spPr/>
+        <p:txBody>
+          <a:bodyPr/>
+          <a:lstStyle/>
+          <a:p>
+            <a:r>
+              <a:rPr lang="en-US" dirty="0" err="1"/>
+              <a:t>Agregar</a:t>
+            </a:r>
+            <a:r>
+              <a:rPr lang="en-US" dirty="0"/>
+              <a:t> ex-post IR y </a:t>
+            </a:r>
+            <a:r>
+              <a:rPr lang="en-US" dirty="0" err="1"/>
+              <a:t>ver</a:t>
+            </a:r>
+            <a:r>
+              <a:rPr lang="en-US" dirty="0"/>
+              <a:t> </a:t>
+            </a:r>
+            <a:r>
+              <a:rPr lang="en-US" dirty="0" err="1"/>
+              <a:t>como</a:t>
+            </a:r>
+            <a:r>
+              <a:rPr lang="en-US" dirty="0"/>
+              <a:t> cambia el </a:t>
+            </a:r>
+            <a:r>
+              <a:rPr lang="en-US" dirty="0" err="1"/>
+              <a:t>objetivo</a:t>
+            </a:r>
+            <a:r>
+              <a:rPr lang="en-US" dirty="0"/>
+              <a:t> =&gt; HM inelastic</a:t>
+            </a:r>
+          </a:p>
+          <a:p>
+            <a:r>
+              <a:rPr lang="en-US" dirty="0"/>
+              <a:t>Trade-off entre consumer surplus y ex-post IR</a:t>
+            </a:r>
+          </a:p>
+          <a:p>
+            <a:r>
+              <a:rPr lang="en-US" dirty="0" err="1"/>
+              <a:t>Theta_i</a:t>
+            </a:r>
+            <a:r>
+              <a:rPr lang="en-US" dirty="0"/>
+              <a:t>^{-} = {theta: </a:t>
+            </a:r>
+            <a:r>
+              <a:rPr lang="en-US" dirty="0" err="1"/>
+              <a:t>p_i</a:t>
+            </a:r>
+            <a:r>
+              <a:rPr lang="en-US" dirty="0"/>
+              <a:t>(theta) &lt; </a:t>
+            </a:r>
+            <a:r>
+              <a:rPr lang="en-US" dirty="0" err="1"/>
+              <a:t>theta_i</a:t>
+            </a:r>
+            <a:r>
+              <a:rPr lang="en-US" dirty="0"/>
+              <a:t>} </a:t>
+            </a:r>
+          </a:p>
+          <a:p>
+            <a:r>
+              <a:rPr lang="en-US" dirty="0"/>
+              <a:t>Resolver </a:t>
+            </a:r>
+            <a:r>
+              <a:rPr lang="en-US" dirty="0" err="1"/>
+              <a:t>min_p</a:t>
+            </a:r>
+            <a:r>
+              <a:rPr lang="en-US" dirty="0"/>
+              <a:t> sum_{theta} (</a:t>
+            </a:r>
+            <a:r>
+              <a:rPr lang="en-US" dirty="0" err="1"/>
+              <a:t>theta_i</a:t>
+            </a:r>
+            <a:r>
+              <a:rPr lang="en-US" dirty="0"/>
+              <a:t> – </a:t>
+            </a:r>
+            <a:r>
+              <a:rPr lang="en-US" dirty="0" err="1"/>
+              <a:t>p_i</a:t>
+            </a:r>
+            <a:r>
+              <a:rPr lang="en-US" dirty="0"/>
+              <a:t>)x </a:t>
+            </a:r>
+            <a:r>
+              <a:rPr lang="en-US" dirty="0" err="1"/>
+              <a:t>st</a:t>
+            </a:r>
+            <a:r>
+              <a:rPr lang="en-US" dirty="0"/>
+              <a:t> </a:t>
+            </a:r>
+            <a:r>
+              <a:rPr lang="en-US" dirty="0" err="1"/>
+              <a:t>Ap</a:t>
+            </a:r>
+            <a:r>
+              <a:rPr lang="en-US" dirty="0"/>
+              <a:t>=b</a:t>
+            </a:r>
+          </a:p>
+          <a:p>
+            <a:r>
+              <a:rPr lang="en-US" dirty="0"/>
+              <a:t>HM </a:t>
+            </a:r>
+            <a:r>
+              <a:rPr lang="en-US" dirty="0" err="1"/>
+              <a:t>olvidarse</a:t>
+            </a:r>
+            <a:r>
+              <a:rPr lang="en-US" dirty="0"/>
+              <a:t> de elastic; </a:t>
+            </a:r>
+            <a:r>
+              <a:rPr lang="en-US" dirty="0" err="1"/>
+              <a:t>hacer</a:t>
+            </a:r>
+            <a:r>
+              <a:rPr lang="en-US" dirty="0"/>
+              <a:t> </a:t>
+            </a:r>
+            <a:r>
+              <a:rPr lang="en-US" dirty="0" err="1"/>
+              <a:t>esto</a:t>
+            </a:r>
+            <a:r>
+              <a:rPr lang="en-US" dirty="0"/>
+              <a:t> para LDM.</a:t>
+            </a:r>
+          </a:p>
+        </p:txBody>
+      </p:sp>
+    </p:spTree>
+    <p:extLst>
+      <p:ext uri="{BB962C8B-B14F-4D97-AF65-F5344CB8AC3E}">
+        <p14:creationId xmlns:p14="http://schemas.microsoft.com/office/powerpoint/2010/main" val="1820939092"/>
       </p:ext>
     </p:extLst>
   </p:cSld>
